--- a/卒業論文/2013/小池由也/卒論ポスター.pptx
+++ b/卒業論文/2013/小池由也/卒論ポスター.pptx
@@ -288,7 +288,7 @@
           <a:p>
             <a:fld id="{DAD1B52E-ED88-4851-86E1-3802D3A34B37}" type="datetimeFigureOut">
               <a:rPr kumimoji="1" lang="ja-JP" altLang="en-US" smtClean="0"/>
-              <a:t>2014/10/10</a:t>
+              <a:t>2014/10/13</a:t>
             </a:fld>
             <a:endParaRPr kumimoji="1" lang="ja-JP" altLang="en-US"/>
           </a:p>
@@ -490,7 +490,7 @@
           <a:p>
             <a:fld id="{DAD1B52E-ED88-4851-86E1-3802D3A34B37}" type="datetimeFigureOut">
               <a:rPr kumimoji="1" lang="ja-JP" altLang="en-US" smtClean="0"/>
-              <a:t>2014/10/10</a:t>
+              <a:t>2014/10/13</a:t>
             </a:fld>
             <a:endParaRPr kumimoji="1" lang="ja-JP" altLang="en-US"/>
           </a:p>
@@ -702,7 +702,7 @@
           <a:p>
             <a:fld id="{DAD1B52E-ED88-4851-86E1-3802D3A34B37}" type="datetimeFigureOut">
               <a:rPr kumimoji="1" lang="ja-JP" altLang="en-US" smtClean="0"/>
-              <a:t>2014/10/10</a:t>
+              <a:t>2014/10/13</a:t>
             </a:fld>
             <a:endParaRPr kumimoji="1" lang="ja-JP" altLang="en-US"/>
           </a:p>
@@ -904,7 +904,7 @@
           <a:p>
             <a:fld id="{DAD1B52E-ED88-4851-86E1-3802D3A34B37}" type="datetimeFigureOut">
               <a:rPr kumimoji="1" lang="ja-JP" altLang="en-US" smtClean="0"/>
-              <a:t>2014/10/10</a:t>
+              <a:t>2014/10/13</a:t>
             </a:fld>
             <a:endParaRPr kumimoji="1" lang="ja-JP" altLang="en-US"/>
           </a:p>
@@ -1150,7 +1150,7 @@
           <a:p>
             <a:fld id="{DAD1B52E-ED88-4851-86E1-3802D3A34B37}" type="datetimeFigureOut">
               <a:rPr kumimoji="1" lang="ja-JP" altLang="en-US" smtClean="0"/>
-              <a:t>2014/10/10</a:t>
+              <a:t>2014/10/13</a:t>
             </a:fld>
             <a:endParaRPr kumimoji="1" lang="ja-JP" altLang="en-US"/>
           </a:p>
@@ -1502,7 +1502,7 @@
           <a:p>
             <a:fld id="{DAD1B52E-ED88-4851-86E1-3802D3A34B37}" type="datetimeFigureOut">
               <a:rPr kumimoji="1" lang="ja-JP" altLang="en-US" smtClean="0"/>
-              <a:t>2014/10/10</a:t>
+              <a:t>2014/10/13</a:t>
             </a:fld>
             <a:endParaRPr kumimoji="1" lang="ja-JP" altLang="en-US"/>
           </a:p>
@@ -1993,7 +1993,7 @@
           <a:p>
             <a:fld id="{DAD1B52E-ED88-4851-86E1-3802D3A34B37}" type="datetimeFigureOut">
               <a:rPr kumimoji="1" lang="ja-JP" altLang="en-US" smtClean="0"/>
-              <a:t>2014/10/10</a:t>
+              <a:t>2014/10/13</a:t>
             </a:fld>
             <a:endParaRPr kumimoji="1" lang="ja-JP" altLang="en-US"/>
           </a:p>
@@ -2111,7 +2111,7 @@
           <a:p>
             <a:fld id="{DAD1B52E-ED88-4851-86E1-3802D3A34B37}" type="datetimeFigureOut">
               <a:rPr kumimoji="1" lang="ja-JP" altLang="en-US" smtClean="0"/>
-              <a:t>2014/10/10</a:t>
+              <a:t>2014/10/13</a:t>
             </a:fld>
             <a:endParaRPr kumimoji="1" lang="ja-JP" altLang="en-US"/>
           </a:p>
@@ -2206,7 +2206,7 @@
           <a:p>
             <a:fld id="{DAD1B52E-ED88-4851-86E1-3802D3A34B37}" type="datetimeFigureOut">
               <a:rPr kumimoji="1" lang="ja-JP" altLang="en-US" smtClean="0"/>
-              <a:t>2014/10/10</a:t>
+              <a:t>2014/10/13</a:t>
             </a:fld>
             <a:endParaRPr kumimoji="1" lang="ja-JP" altLang="en-US"/>
           </a:p>
@@ -2515,7 +2515,7 @@
           <a:p>
             <a:fld id="{DAD1B52E-ED88-4851-86E1-3802D3A34B37}" type="datetimeFigureOut">
               <a:rPr kumimoji="1" lang="ja-JP" altLang="en-US" smtClean="0"/>
-              <a:t>2014/10/10</a:t>
+              <a:t>2014/10/13</a:t>
             </a:fld>
             <a:endParaRPr kumimoji="1" lang="ja-JP" altLang="en-US"/>
           </a:p>
@@ -2768,7 +2768,7 @@
           <a:p>
             <a:fld id="{DAD1B52E-ED88-4851-86E1-3802D3A34B37}" type="datetimeFigureOut">
               <a:rPr kumimoji="1" lang="ja-JP" altLang="en-US" smtClean="0"/>
-              <a:t>2014/10/10</a:t>
+              <a:t>2014/10/13</a:t>
             </a:fld>
             <a:endParaRPr kumimoji="1" lang="ja-JP" altLang="en-US"/>
           </a:p>
@@ -3013,7 +3013,7 @@
           <a:p>
             <a:fld id="{DAD1B52E-ED88-4851-86E1-3802D3A34B37}" type="datetimeFigureOut">
               <a:rPr kumimoji="1" lang="ja-JP" altLang="en-US" smtClean="0"/>
-              <a:t>2014/10/10</a:t>
+              <a:t>2014/10/13</a:t>
             </a:fld>
             <a:endParaRPr kumimoji="1" lang="ja-JP" altLang="en-US"/>
           </a:p>
@@ -4302,7 +4302,31 @@
                     <a:schemeClr val="tx1"/>
                   </a:solidFill>
                 </a:rPr>
-                <a:t>プログラミング言語による協力者の発生数の違いを調べる</a:t>
+                <a:t>プログラミング言語による協力者の発生数の違いを</a:t>
+              </a:r>
+              <a:r>
+                <a:rPr kumimoji="1" lang="ja-JP" altLang="en-US" sz="5400" dirty="0" smtClean="0">
+                  <a:solidFill>
+                    <a:schemeClr val="tx1"/>
+                  </a:solidFill>
+                </a:rPr>
+                <a:t>調べ</a:t>
+              </a:r>
+              <a:endParaRPr kumimoji="1" lang="en-US" altLang="ja-JP" sz="5400" dirty="0" smtClean="0">
+                <a:solidFill>
+                  <a:schemeClr val="tx1"/>
+                </a:solidFill>
+              </a:endParaRPr>
+            </a:p>
+            <a:p>
+              <a:pPr algn="ctr"/>
+              <a:r>
+                <a:rPr kumimoji="1" lang="ja-JP" altLang="en-US" sz="5400" dirty="0" smtClean="0">
+                  <a:solidFill>
+                    <a:schemeClr val="tx1"/>
+                  </a:solidFill>
+                </a:rPr>
+                <a:t>ソフトウェア開発プロジェクトについての理解を深める</a:t>
               </a:r>
               <a:endParaRPr kumimoji="1" lang="ja-JP" altLang="en-US" sz="5400" dirty="0">
                 <a:solidFill>
@@ -4443,7 +4467,7 @@
         </p:nvSpPr>
         <p:spPr>
           <a:xfrm>
-            <a:off x="1404368" y="20468579"/>
+            <a:off x="144228" y="20468579"/>
             <a:ext cx="4536504" cy="1584176"/>
           </a:xfrm>
           <a:prstGeom prst="ellipse">
@@ -4519,7 +4543,7 @@
         </p:nvSpPr>
         <p:spPr>
           <a:xfrm rot="5400000">
-            <a:off x="2595587" y="21641797"/>
+            <a:off x="5097865" y="22433884"/>
             <a:ext cx="2154065" cy="3276364"/>
           </a:xfrm>
           <a:prstGeom prst="rightArrow">
@@ -4579,7 +4603,7 @@
         </p:nvSpPr>
         <p:spPr>
           <a:xfrm>
-            <a:off x="1404367" y="24645043"/>
+            <a:off x="3780632" y="26157211"/>
             <a:ext cx="4536504" cy="1584176"/>
           </a:xfrm>
           <a:prstGeom prst="flowChartAlternateProcess">
@@ -4755,123 +4779,14 @@
       </p:sp>
       <p:sp>
         <p:nvSpPr>
-          <p:cNvPr id="13" name="円形吹き出し 12"/>
-          <p:cNvSpPr/>
-          <p:nvPr/>
-        </p:nvSpPr>
-        <p:spPr>
-          <a:xfrm>
-            <a:off x="6300912" y="19244443"/>
-            <a:ext cx="6048672" cy="2520280"/>
-          </a:xfrm>
-          <a:prstGeom prst="wedgeEllipseCallout">
-            <a:avLst>
-              <a:gd name="adj1" fmla="val -56737"/>
-              <a:gd name="adj2" fmla="val 33777"/>
-            </a:avLst>
-          </a:prstGeom>
-          <a:solidFill>
-            <a:schemeClr val="bg1"/>
-          </a:solidFill>
-          <a:ln>
-            <a:solidFill>
-              <a:schemeClr val="tx1"/>
-            </a:solidFill>
-          </a:ln>
-        </p:spPr>
-        <p:style>
-          <a:lnRef idx="2">
-            <a:schemeClr val="accent1">
-              <a:shade val="50000"/>
-            </a:schemeClr>
-          </a:lnRef>
-          <a:fillRef idx="1">
-            <a:schemeClr val="accent1"/>
-          </a:fillRef>
-          <a:effectRef idx="0">
-            <a:schemeClr val="accent1"/>
-          </a:effectRef>
-          <a:fontRef idx="minor">
-            <a:schemeClr val="lt1"/>
-          </a:fontRef>
-        </p:style>
-        <p:txBody>
-          <a:bodyPr rtlCol="0" anchor="ctr"/>
-          <a:lstStyle/>
-          <a:p>
-            <a:pPr algn="ctr"/>
-            <a:r>
-              <a:rPr kumimoji="1" lang="en-US" altLang="ja-JP" sz="4400" dirty="0" smtClean="0">
-                <a:solidFill>
-                  <a:schemeClr val="tx1"/>
-                </a:solidFill>
-              </a:rPr>
-              <a:t>GitHub Archive</a:t>
-            </a:r>
-            <a:r>
-              <a:rPr kumimoji="1" lang="ja-JP" altLang="en-US" sz="4400" dirty="0" smtClean="0">
-                <a:solidFill>
-                  <a:schemeClr val="tx1"/>
-                </a:solidFill>
-              </a:rPr>
-              <a:t>を利用しデータを集める</a:t>
-            </a:r>
-            <a:endParaRPr kumimoji="1" lang="ja-JP" altLang="en-US" sz="4400" dirty="0">
-              <a:solidFill>
-                <a:schemeClr val="tx1"/>
-              </a:solidFill>
-            </a:endParaRPr>
-          </a:p>
-        </p:txBody>
-      </p:sp>
-      <p:sp>
-        <p:nvSpPr>
-          <p:cNvPr id="25" name="テキスト ボックス 24"/>
-          <p:cNvSpPr txBox="1"/>
-          <p:nvPr/>
-        </p:nvSpPr>
-        <p:spPr>
-          <a:xfrm>
-            <a:off x="6804968" y="22829984"/>
-            <a:ext cx="4824536" cy="984885"/>
-          </a:xfrm>
-          <a:prstGeom prst="rect">
-            <a:avLst/>
-          </a:prstGeom>
-          <a:noFill/>
-        </p:spPr>
-        <p:txBody>
-          <a:bodyPr wrap="square" rtlCol="0">
-            <a:spAutoFit/>
-          </a:bodyPr>
-          <a:lstStyle/>
-          <a:p>
-            <a:r>
-              <a:rPr kumimoji="1" lang="en-US" altLang="ja-JP" b="1" dirty="0" smtClean="0"/>
-              <a:t>GitHub</a:t>
-            </a:r>
-            <a:r>
-              <a:rPr lang="ja-JP" altLang="en-US" b="1" dirty="0"/>
-              <a:t> </a:t>
-            </a:r>
-            <a:r>
-              <a:rPr lang="en-US" altLang="ja-JP" b="1" dirty="0" smtClean="0"/>
-              <a:t>Archive</a:t>
-            </a:r>
-            <a:endParaRPr kumimoji="1" lang="ja-JP" altLang="en-US" b="1" dirty="0"/>
-          </a:p>
-        </p:txBody>
-      </p:sp>
-      <p:sp>
-        <p:nvSpPr>
           <p:cNvPr id="28" name="角丸四角形 27"/>
           <p:cNvSpPr/>
           <p:nvPr/>
         </p:nvSpPr>
         <p:spPr>
           <a:xfrm>
-            <a:off x="6843294" y="24107524"/>
-            <a:ext cx="4747883" cy="4176464"/>
+            <a:off x="8786595" y="22581426"/>
+            <a:ext cx="3181913" cy="2952329"/>
           </a:xfrm>
           <a:prstGeom prst="roundRect">
             <a:avLst/>
@@ -4907,14 +4822,14 @@
           <a:p>
             <a:pPr algn="ctr"/>
             <a:r>
-              <a:rPr kumimoji="1" lang="ja-JP" altLang="en-US" sz="4800" dirty="0" smtClean="0">
+              <a:rPr kumimoji="1" lang="ja-JP" altLang="en-US" sz="3600" dirty="0" smtClean="0">
                 <a:solidFill>
                   <a:schemeClr val="tx1"/>
                 </a:solidFill>
               </a:rPr>
               <a:t>プロジェクトの</a:t>
             </a:r>
-            <a:endParaRPr kumimoji="1" lang="en-US" altLang="ja-JP" sz="4800" dirty="0" smtClean="0">
+            <a:endParaRPr kumimoji="1" lang="en-US" altLang="ja-JP" sz="3600" dirty="0" smtClean="0">
               <a:solidFill>
                 <a:schemeClr val="tx1"/>
               </a:solidFill>
@@ -4923,14 +4838,14 @@
           <a:p>
             <a:pPr algn="ctr"/>
             <a:r>
-              <a:rPr kumimoji="1" lang="ja-JP" altLang="en-US" sz="4800" dirty="0" smtClean="0">
+              <a:rPr kumimoji="1" lang="ja-JP" altLang="en-US" sz="3600" dirty="0" smtClean="0">
                 <a:solidFill>
                   <a:schemeClr val="tx1"/>
                 </a:solidFill>
               </a:rPr>
               <a:t>タイムラインを</a:t>
             </a:r>
-            <a:endParaRPr kumimoji="1" lang="en-US" altLang="ja-JP" sz="4800" dirty="0" smtClean="0">
+            <a:endParaRPr kumimoji="1" lang="en-US" altLang="ja-JP" sz="3600" dirty="0" smtClean="0">
               <a:solidFill>
                 <a:schemeClr val="tx1"/>
               </a:solidFill>
@@ -4939,14 +4854,14 @@
           <a:p>
             <a:pPr algn="ctr"/>
             <a:r>
-              <a:rPr kumimoji="1" lang="ja-JP" altLang="en-US" sz="4800" dirty="0" smtClean="0">
+              <a:rPr kumimoji="1" lang="ja-JP" altLang="en-US" sz="3600" dirty="0" smtClean="0">
                 <a:solidFill>
                   <a:schemeClr val="tx1"/>
                 </a:solidFill>
               </a:rPr>
               <a:t>記録し</a:t>
             </a:r>
-            <a:endParaRPr kumimoji="1" lang="en-US" altLang="ja-JP" sz="4800" dirty="0" smtClean="0">
+            <a:endParaRPr kumimoji="1" lang="en-US" altLang="ja-JP" sz="3600" dirty="0" smtClean="0">
               <a:solidFill>
                 <a:schemeClr val="tx1"/>
               </a:solidFill>
@@ -4955,14 +4870,14 @@
           <a:p>
             <a:pPr algn="ctr"/>
             <a:r>
-              <a:rPr kumimoji="1" lang="ja-JP" altLang="en-US" sz="4800" dirty="0" smtClean="0">
+              <a:rPr kumimoji="1" lang="ja-JP" altLang="en-US" sz="3600" dirty="0" smtClean="0">
                 <a:solidFill>
                   <a:schemeClr val="tx1"/>
                 </a:solidFill>
               </a:rPr>
               <a:t>アーカイブ化</a:t>
             </a:r>
-            <a:endParaRPr kumimoji="1" lang="ja-JP" altLang="en-US" sz="4800" dirty="0">
+            <a:endParaRPr kumimoji="1" lang="ja-JP" altLang="en-US" sz="3600" dirty="0">
               <a:solidFill>
                 <a:schemeClr val="tx1"/>
               </a:solidFill>
@@ -5263,6 +5178,153 @@
           </a:graphicData>
         </a:graphic>
       </p:graphicFrame>
+      <p:sp>
+        <p:nvSpPr>
+          <p:cNvPr id="31" name="円/楕円 30"/>
+          <p:cNvSpPr/>
+          <p:nvPr/>
+        </p:nvSpPr>
+        <p:spPr>
+          <a:xfrm>
+            <a:off x="7165008" y="20468579"/>
+            <a:ext cx="4536504" cy="1584176"/>
+          </a:xfrm>
+          <a:prstGeom prst="ellipse">
+            <a:avLst/>
+          </a:prstGeom>
+          <a:solidFill>
+            <a:schemeClr val="bg1"/>
+          </a:solidFill>
+          <a:ln w="38100">
+            <a:solidFill>
+              <a:schemeClr val="tx1"/>
+            </a:solidFill>
+          </a:ln>
+        </p:spPr>
+        <p:style>
+          <a:lnRef idx="2">
+            <a:schemeClr val="accent1">
+              <a:shade val="50000"/>
+            </a:schemeClr>
+          </a:lnRef>
+          <a:fillRef idx="1">
+            <a:schemeClr val="accent1"/>
+          </a:fillRef>
+          <a:effectRef idx="0">
+            <a:schemeClr val="accent1"/>
+          </a:effectRef>
+          <a:fontRef idx="minor">
+            <a:schemeClr val="lt1"/>
+          </a:fontRef>
+        </p:style>
+        <p:txBody>
+          <a:bodyPr rtlCol="0" anchor="ctr"/>
+          <a:lstStyle/>
+          <a:p>
+            <a:pPr algn="ctr"/>
+            <a:r>
+              <a:rPr kumimoji="1" lang="en-US" altLang="ja-JP" sz="4400" dirty="0" smtClean="0">
+                <a:solidFill>
+                  <a:schemeClr val="tx1"/>
+                </a:solidFill>
+              </a:rPr>
+              <a:t>GitHub Archive</a:t>
+            </a:r>
+            <a:endParaRPr kumimoji="1" lang="ja-JP" altLang="en-US" sz="4400" dirty="0">
+              <a:solidFill>
+                <a:schemeClr val="tx1"/>
+              </a:solidFill>
+            </a:endParaRPr>
+          </a:p>
+        </p:txBody>
+      </p:sp>
+      <p:sp>
+        <p:nvSpPr>
+          <p:cNvPr id="32" name="角丸四角形 31"/>
+          <p:cNvSpPr/>
+          <p:nvPr/>
+        </p:nvSpPr>
+        <p:spPr>
+          <a:xfrm>
+            <a:off x="587936" y="22581427"/>
+            <a:ext cx="3181913" cy="2952329"/>
+          </a:xfrm>
+          <a:prstGeom prst="roundRect">
+            <a:avLst/>
+          </a:prstGeom>
+          <a:solidFill>
+            <a:schemeClr val="bg1"/>
+          </a:solidFill>
+          <a:ln w="38100">
+            <a:solidFill>
+              <a:schemeClr val="tx1"/>
+            </a:solidFill>
+          </a:ln>
+        </p:spPr>
+        <p:style>
+          <a:lnRef idx="2">
+            <a:schemeClr val="accent1">
+              <a:shade val="50000"/>
+            </a:schemeClr>
+          </a:lnRef>
+          <a:fillRef idx="1">
+            <a:schemeClr val="accent1"/>
+          </a:fillRef>
+          <a:effectRef idx="0">
+            <a:schemeClr val="accent1"/>
+          </a:effectRef>
+          <a:fontRef idx="minor">
+            <a:schemeClr val="lt1"/>
+          </a:fontRef>
+        </p:style>
+        <p:txBody>
+          <a:bodyPr rtlCol="0" anchor="ctr"/>
+          <a:lstStyle/>
+          <a:p>
+            <a:pPr algn="ctr"/>
+            <a:r>
+              <a:rPr kumimoji="1" lang="en-US" altLang="ja-JP" sz="3600" dirty="0" smtClean="0">
+                <a:solidFill>
+                  <a:schemeClr val="tx1"/>
+                </a:solidFill>
+              </a:rPr>
+              <a:t>GitHub Archive</a:t>
+            </a:r>
+          </a:p>
+          <a:p>
+            <a:pPr algn="ctr"/>
+            <a:r>
+              <a:rPr kumimoji="1" lang="ja-JP" altLang="en-US" sz="3600" dirty="0" smtClean="0">
+                <a:solidFill>
+                  <a:schemeClr val="tx1"/>
+                </a:solidFill>
+              </a:rPr>
+              <a:t>と連動させ</a:t>
+            </a:r>
+            <a:endParaRPr kumimoji="1" lang="en-US" altLang="ja-JP" sz="3600" dirty="0" smtClean="0">
+              <a:solidFill>
+                <a:schemeClr val="tx1"/>
+              </a:solidFill>
+            </a:endParaRPr>
+          </a:p>
+          <a:p>
+            <a:pPr algn="ctr"/>
+            <a:r>
+              <a:rPr kumimoji="1" lang="ja-JP" altLang="en-US" sz="3600" dirty="0" smtClean="0">
+                <a:solidFill>
+                  <a:schemeClr val="tx1"/>
+                </a:solidFill>
+              </a:rPr>
+              <a:t>データ処理</a:t>
+            </a:r>
+            <a:endParaRPr kumimoji="1" lang="ja-JP" altLang="en-US" sz="3600" dirty="0">
+              <a:solidFill>
+                <a:schemeClr val="tx1"/>
+              </a:solidFill>
+            </a:endParaRPr>
+          </a:p>
+        </p:txBody>
+      </p:sp>
     </p:spTree>
     <p:extLst>
       <p:ext uri="{BB962C8B-B14F-4D97-AF65-F5344CB8AC3E}">

--- a/卒業論文/2013/小池由也/卒論ポスター.pptx
+++ b/卒業論文/2013/小池由也/卒論ポスター.pptx
@@ -288,7 +288,7 @@
           <a:p>
             <a:fld id="{DAD1B52E-ED88-4851-86E1-3802D3A34B37}" type="datetimeFigureOut">
               <a:rPr kumimoji="1" lang="ja-JP" altLang="en-US" smtClean="0"/>
-              <a:t>2014/10/10</a:t>
+              <a:t>2014/10/15</a:t>
             </a:fld>
             <a:endParaRPr kumimoji="1" lang="ja-JP" altLang="en-US"/>
           </a:p>
@@ -490,7 +490,7 @@
           <a:p>
             <a:fld id="{DAD1B52E-ED88-4851-86E1-3802D3A34B37}" type="datetimeFigureOut">
               <a:rPr kumimoji="1" lang="ja-JP" altLang="en-US" smtClean="0"/>
-              <a:t>2014/10/10</a:t>
+              <a:t>2014/10/15</a:t>
             </a:fld>
             <a:endParaRPr kumimoji="1" lang="ja-JP" altLang="en-US"/>
           </a:p>
@@ -702,7 +702,7 @@
           <a:p>
             <a:fld id="{DAD1B52E-ED88-4851-86E1-3802D3A34B37}" type="datetimeFigureOut">
               <a:rPr kumimoji="1" lang="ja-JP" altLang="en-US" smtClean="0"/>
-              <a:t>2014/10/10</a:t>
+              <a:t>2014/10/15</a:t>
             </a:fld>
             <a:endParaRPr kumimoji="1" lang="ja-JP" altLang="en-US"/>
           </a:p>
@@ -904,7 +904,7 @@
           <a:p>
             <a:fld id="{DAD1B52E-ED88-4851-86E1-3802D3A34B37}" type="datetimeFigureOut">
               <a:rPr kumimoji="1" lang="ja-JP" altLang="en-US" smtClean="0"/>
-              <a:t>2014/10/10</a:t>
+              <a:t>2014/10/15</a:t>
             </a:fld>
             <a:endParaRPr kumimoji="1" lang="ja-JP" altLang="en-US"/>
           </a:p>
@@ -1150,7 +1150,7 @@
           <a:p>
             <a:fld id="{DAD1B52E-ED88-4851-86E1-3802D3A34B37}" type="datetimeFigureOut">
               <a:rPr kumimoji="1" lang="ja-JP" altLang="en-US" smtClean="0"/>
-              <a:t>2014/10/10</a:t>
+              <a:t>2014/10/15</a:t>
             </a:fld>
             <a:endParaRPr kumimoji="1" lang="ja-JP" altLang="en-US"/>
           </a:p>
@@ -1502,7 +1502,7 @@
           <a:p>
             <a:fld id="{DAD1B52E-ED88-4851-86E1-3802D3A34B37}" type="datetimeFigureOut">
               <a:rPr kumimoji="1" lang="ja-JP" altLang="en-US" smtClean="0"/>
-              <a:t>2014/10/10</a:t>
+              <a:t>2014/10/15</a:t>
             </a:fld>
             <a:endParaRPr kumimoji="1" lang="ja-JP" altLang="en-US"/>
           </a:p>
@@ -1993,7 +1993,7 @@
           <a:p>
             <a:fld id="{DAD1B52E-ED88-4851-86E1-3802D3A34B37}" type="datetimeFigureOut">
               <a:rPr kumimoji="1" lang="ja-JP" altLang="en-US" smtClean="0"/>
-              <a:t>2014/10/10</a:t>
+              <a:t>2014/10/15</a:t>
             </a:fld>
             <a:endParaRPr kumimoji="1" lang="ja-JP" altLang="en-US"/>
           </a:p>
@@ -2111,7 +2111,7 @@
           <a:p>
             <a:fld id="{DAD1B52E-ED88-4851-86E1-3802D3A34B37}" type="datetimeFigureOut">
               <a:rPr kumimoji="1" lang="ja-JP" altLang="en-US" smtClean="0"/>
-              <a:t>2014/10/10</a:t>
+              <a:t>2014/10/15</a:t>
             </a:fld>
             <a:endParaRPr kumimoji="1" lang="ja-JP" altLang="en-US"/>
           </a:p>
@@ -2206,7 +2206,7 @@
           <a:p>
             <a:fld id="{DAD1B52E-ED88-4851-86E1-3802D3A34B37}" type="datetimeFigureOut">
               <a:rPr kumimoji="1" lang="ja-JP" altLang="en-US" smtClean="0"/>
-              <a:t>2014/10/10</a:t>
+              <a:t>2014/10/15</a:t>
             </a:fld>
             <a:endParaRPr kumimoji="1" lang="ja-JP" altLang="en-US"/>
           </a:p>
@@ -2515,7 +2515,7 @@
           <a:p>
             <a:fld id="{DAD1B52E-ED88-4851-86E1-3802D3A34B37}" type="datetimeFigureOut">
               <a:rPr kumimoji="1" lang="ja-JP" altLang="en-US" smtClean="0"/>
-              <a:t>2014/10/10</a:t>
+              <a:t>2014/10/15</a:t>
             </a:fld>
             <a:endParaRPr kumimoji="1" lang="ja-JP" altLang="en-US"/>
           </a:p>
@@ -2768,7 +2768,7 @@
           <a:p>
             <a:fld id="{DAD1B52E-ED88-4851-86E1-3802D3A34B37}" type="datetimeFigureOut">
               <a:rPr kumimoji="1" lang="ja-JP" altLang="en-US" smtClean="0"/>
-              <a:t>2014/10/10</a:t>
+              <a:t>2014/10/15</a:t>
             </a:fld>
             <a:endParaRPr kumimoji="1" lang="ja-JP" altLang="en-US"/>
           </a:p>
@@ -3013,7 +3013,7 @@
           <a:p>
             <a:fld id="{DAD1B52E-ED88-4851-86E1-3802D3A34B37}" type="datetimeFigureOut">
               <a:rPr kumimoji="1" lang="ja-JP" altLang="en-US" smtClean="0"/>
-              <a:t>2014/10/10</a:t>
+              <a:t>2014/10/15</a:t>
             </a:fld>
             <a:endParaRPr kumimoji="1" lang="ja-JP" altLang="en-US"/>
           </a:p>
@@ -3396,17 +3396,14 @@
         </p:nvSpPr>
         <p:spPr>
           <a:xfrm>
-            <a:off x="1404368" y="4842843"/>
+            <a:off x="1332360" y="4902498"/>
             <a:ext cx="18794088" cy="10081120"/>
           </a:xfrm>
           <a:prstGeom prst="rect">
             <a:avLst/>
           </a:prstGeom>
           <a:solidFill>
-            <a:schemeClr val="tx2">
-              <a:lumMod val="20000"/>
-              <a:lumOff val="80000"/>
-            </a:schemeClr>
+            <a:schemeClr val="bg1"/>
           </a:solidFill>
           <a:ln>
             <a:solidFill>
@@ -3441,46 +3438,21 @@
       </p:sp>
       <p:sp>
         <p:nvSpPr>
-          <p:cNvPr id="5" name="上カーブ リボン 4"/>
+          <p:cNvPr id="7" name="対角する 2 つの角を切り取った四角形 6"/>
           <p:cNvSpPr/>
           <p:nvPr/>
         </p:nvSpPr>
         <p:spPr>
           <a:xfrm>
-            <a:off x="972320" y="234331"/>
-            <a:ext cx="19946216" cy="2592288"/>
+            <a:off x="972320" y="3834731"/>
+            <a:ext cx="2880320" cy="1080120"/>
           </a:xfrm>
-          <a:prstGeom prst="ellipseRibbon2">
-            <a:avLst>
-              <a:gd name="adj1" fmla="val 17651"/>
-              <a:gd name="adj2" fmla="val 100000"/>
-              <a:gd name="adj3" fmla="val 12500"/>
-            </a:avLst>
+          <a:prstGeom prst="snip2DiagRect">
+            <a:avLst/>
           </a:prstGeom>
-          <a:gradFill flip="none" rotWithShape="1">
-            <a:gsLst>
-              <a:gs pos="0">
-                <a:srgbClr val="00B0F0">
-                  <a:tint val="66000"/>
-                  <a:satMod val="160000"/>
-                </a:srgbClr>
-              </a:gs>
-              <a:gs pos="50000">
-                <a:srgbClr val="00B0F0">
-                  <a:tint val="44500"/>
-                  <a:satMod val="160000"/>
-                </a:srgbClr>
-              </a:gs>
-              <a:gs pos="100000">
-                <a:srgbClr val="00B0F0">
-                  <a:tint val="23500"/>
-                  <a:satMod val="160000"/>
-                </a:srgbClr>
-              </a:gs>
-            </a:gsLst>
-            <a:lin ang="8100000" scaled="1"/>
-            <a:tileRect/>
-          </a:gradFill>
+          <a:solidFill>
+            <a:schemeClr val="bg1"/>
+          </a:solidFill>
           <a:ln>
             <a:solidFill>
               <a:schemeClr val="tx1"/>
@@ -3514,78 +3486,6 @@
                   <a:schemeClr val="tx1"/>
                 </a:solidFill>
               </a:rPr>
-              <a:t>ビッグデータ解析ソフトウェアを用いた</a:t>
-            </a:r>
-            <a:r>
-              <a:rPr lang="en-US" altLang="ja-JP" dirty="0">
-                <a:solidFill>
-                  <a:schemeClr val="tx1"/>
-                </a:solidFill>
-              </a:rPr>
-              <a:t>GitHub</a:t>
-            </a:r>
-            <a:r>
-              <a:rPr lang="ja-JP" altLang="en-US" dirty="0">
-                <a:solidFill>
-                  <a:schemeClr val="tx1"/>
-                </a:solidFill>
-              </a:rPr>
-              <a:t>データマイニング</a:t>
-            </a:r>
-          </a:p>
-        </p:txBody>
-      </p:sp>
-      <p:sp>
-        <p:nvSpPr>
-          <p:cNvPr id="7" name="対角する 2 つの角を切り取った四角形 6"/>
-          <p:cNvSpPr/>
-          <p:nvPr/>
-        </p:nvSpPr>
-        <p:spPr>
-          <a:xfrm>
-            <a:off x="972320" y="3834731"/>
-            <a:ext cx="2880320" cy="1080120"/>
-          </a:xfrm>
-          <a:prstGeom prst="snip2DiagRect">
-            <a:avLst/>
-          </a:prstGeom>
-          <a:blipFill>
-            <a:blip r:embed="rId2"/>
-            <a:tile tx="0" ty="0" sx="100000" sy="100000" flip="none" algn="tl"/>
-          </a:blipFill>
-          <a:ln>
-            <a:solidFill>
-              <a:schemeClr val="tx1"/>
-            </a:solidFill>
-          </a:ln>
-        </p:spPr>
-        <p:style>
-          <a:lnRef idx="2">
-            <a:schemeClr val="accent1">
-              <a:shade val="50000"/>
-            </a:schemeClr>
-          </a:lnRef>
-          <a:fillRef idx="1">
-            <a:schemeClr val="accent1"/>
-          </a:fillRef>
-          <a:effectRef idx="0">
-            <a:schemeClr val="accent1"/>
-          </a:effectRef>
-          <a:fontRef idx="minor">
-            <a:schemeClr val="lt1"/>
-          </a:fontRef>
-        </p:style>
-        <p:txBody>
-          <a:bodyPr rtlCol="0" anchor="ctr"/>
-          <a:lstStyle/>
-          <a:p>
-            <a:pPr algn="ctr"/>
-            <a:r>
-              <a:rPr lang="ja-JP" altLang="en-US" dirty="0">
-                <a:solidFill>
-                  <a:schemeClr val="tx1"/>
-                </a:solidFill>
-              </a:rPr>
               <a:t>背景</a:t>
             </a:r>
             <a:endParaRPr kumimoji="1" lang="ja-JP" altLang="en-US" dirty="0">
@@ -3604,7 +3504,7 @@
         </p:nvGrpSpPr>
         <p:grpSpPr>
           <a:xfrm>
-            <a:off x="3402590" y="7835154"/>
+            <a:off x="3402590" y="7147099"/>
             <a:ext cx="6156684" cy="2088232"/>
             <a:chOff x="4428704" y="3462787"/>
             <a:chExt cx="6156684" cy="2088232"/>
@@ -3649,7 +3549,7 @@
             <p:nvPr/>
           </p:nvPicPr>
           <p:blipFill>
-            <a:blip r:embed="rId3" cstate="print">
+            <a:blip r:embed="rId2" cstate="print">
               <a:extLst>
                 <a:ext uri="{28A0092B-C50C-407E-A947-70E740481C1C}">
                   <a14:useLocalDpi xmlns:a14="http://schemas.microsoft.com/office/drawing/2010/main" val="0"/>
@@ -3755,30 +3655,9 @@
           <a:prstGeom prst="flowChartAlternateProcess">
             <a:avLst/>
           </a:prstGeom>
-          <a:gradFill flip="none" rotWithShape="1">
-            <a:gsLst>
-              <a:gs pos="0">
-                <a:schemeClr val="accent1">
-                  <a:tint val="66000"/>
-                  <a:satMod val="160000"/>
-                </a:schemeClr>
-              </a:gs>
-              <a:gs pos="50000">
-                <a:schemeClr val="accent1">
-                  <a:tint val="44500"/>
-                  <a:satMod val="160000"/>
-                </a:schemeClr>
-              </a:gs>
-              <a:gs pos="100000">
-                <a:schemeClr val="accent1">
-                  <a:tint val="23500"/>
-                  <a:satMod val="160000"/>
-                </a:schemeClr>
-              </a:gs>
-            </a:gsLst>
-            <a:lin ang="16200000" scaled="1"/>
-            <a:tileRect/>
-          </a:gradFill>
+          <a:solidFill>
+            <a:schemeClr val="bg1"/>
+          </a:solidFill>
           <a:ln>
             <a:solidFill>
               <a:schemeClr val="tx1"/>
@@ -3973,82 +3852,6 @@
           </a:p>
         </p:txBody>
       </p:sp>
-      <p:sp>
-        <p:nvSpPr>
-          <p:cNvPr id="9" name="円/楕円 8"/>
-          <p:cNvSpPr/>
-          <p:nvPr/>
-        </p:nvSpPr>
-        <p:spPr>
-          <a:xfrm>
-            <a:off x="1548384" y="10819507"/>
-            <a:ext cx="7490240" cy="2520280"/>
-          </a:xfrm>
-          <a:prstGeom prst="ellipse">
-            <a:avLst/>
-          </a:prstGeom>
-          <a:solidFill>
-            <a:schemeClr val="bg1"/>
-          </a:solidFill>
-          <a:ln w="38100">
-            <a:solidFill>
-              <a:schemeClr val="tx1"/>
-            </a:solidFill>
-          </a:ln>
-        </p:spPr>
-        <p:style>
-          <a:lnRef idx="2">
-            <a:schemeClr val="accent1">
-              <a:shade val="50000"/>
-            </a:schemeClr>
-          </a:lnRef>
-          <a:fillRef idx="1">
-            <a:schemeClr val="accent1"/>
-          </a:fillRef>
-          <a:effectRef idx="0">
-            <a:schemeClr val="accent1"/>
-          </a:effectRef>
-          <a:fontRef idx="minor">
-            <a:schemeClr val="lt1"/>
-          </a:fontRef>
-        </p:style>
-        <p:txBody>
-          <a:bodyPr rtlCol="0" anchor="ctr"/>
-          <a:lstStyle/>
-          <a:p>
-            <a:pPr algn="ctr"/>
-            <a:r>
-              <a:rPr kumimoji="1" lang="ja-JP" altLang="en-US" sz="4800" dirty="0" smtClean="0">
-                <a:solidFill>
-                  <a:schemeClr val="tx1"/>
-                </a:solidFill>
-              </a:rPr>
-              <a:t>データの収集・処理</a:t>
-            </a:r>
-            <a:endParaRPr kumimoji="1" lang="en-US" altLang="ja-JP" sz="4800" dirty="0" smtClean="0">
-              <a:solidFill>
-                <a:schemeClr val="tx1"/>
-              </a:solidFill>
-            </a:endParaRPr>
-          </a:p>
-          <a:p>
-            <a:pPr algn="ctr"/>
-            <a:r>
-              <a:rPr lang="ja-JP" altLang="en-US" sz="4800" dirty="0">
-                <a:solidFill>
-                  <a:schemeClr val="tx1"/>
-                </a:solidFill>
-              </a:rPr>
-              <a:t>難しい</a:t>
-            </a:r>
-            <a:endParaRPr kumimoji="1" lang="ja-JP" altLang="en-US" sz="4800" dirty="0">
-              <a:solidFill>
-                <a:schemeClr val="tx1"/>
-              </a:solidFill>
-            </a:endParaRPr>
-          </a:p>
-        </p:txBody>
-      </p:sp>
       <p:cxnSp>
         <p:nvCxnSpPr>
           <p:cNvPr id="12" name="直線矢印コネクタ 11"/>
@@ -4060,8 +3863,8 @@
         </p:nvCxnSpPr>
         <p:spPr>
           <a:xfrm>
-            <a:off x="9038624" y="12079647"/>
-            <a:ext cx="3526984" cy="0"/>
+            <a:off x="9038624" y="10351455"/>
+            <a:ext cx="1078910" cy="0"/>
           </a:xfrm>
           <a:prstGeom prst="straightConnector1">
             <a:avLst/>
@@ -4096,8 +3899,8 @@
         </p:nvSpPr>
         <p:spPr>
           <a:xfrm>
-            <a:off x="12565608" y="10351455"/>
-            <a:ext cx="6840760" cy="3456384"/>
+            <a:off x="10117534" y="9091315"/>
+            <a:ext cx="4608512" cy="2520280"/>
           </a:xfrm>
           <a:prstGeom prst="flowChartAlternateProcess">
             <a:avLst/>
@@ -4133,7 +3936,7 @@
           <a:p>
             <a:pPr algn="ctr"/>
             <a:r>
-              <a:rPr kumimoji="1" lang="en-US" altLang="ja-JP" dirty="0" smtClean="0">
+              <a:rPr kumimoji="1" lang="en-US" altLang="ja-JP" sz="4000" dirty="0" smtClean="0">
                 <a:solidFill>
                   <a:schemeClr val="tx1"/>
                 </a:solidFill>
@@ -4141,14 +3944,14 @@
               <a:t>Google </a:t>
             </a:r>
             <a:r>
-              <a:rPr kumimoji="1" lang="en-US" altLang="ja-JP" dirty="0" err="1" smtClean="0">
+              <a:rPr kumimoji="1" lang="en-US" altLang="ja-JP" sz="4000" dirty="0" err="1" smtClean="0">
                 <a:solidFill>
                   <a:schemeClr val="tx1"/>
                 </a:solidFill>
               </a:rPr>
               <a:t>BigQueary</a:t>
             </a:r>
-            <a:endParaRPr lang="en-US" altLang="ja-JP" dirty="0" err="1">
+            <a:endParaRPr lang="en-US" altLang="ja-JP" sz="4000" dirty="0" err="1">
               <a:solidFill>
                 <a:schemeClr val="tx1"/>
               </a:solidFill>
@@ -4157,29 +3960,18 @@
           <a:p>
             <a:pPr algn="ctr"/>
             <a:r>
-              <a:rPr lang="en-US" altLang="ja-JP" dirty="0" err="1" smtClean="0">
+              <a:rPr lang="en-US" altLang="ja-JP" sz="4000" dirty="0" err="1" smtClean="0">
                 <a:solidFill>
                   <a:schemeClr val="tx1"/>
                 </a:solidFill>
               </a:rPr>
               <a:t>GitHubArchive</a:t>
             </a:r>
-            <a:endParaRPr lang="en-US" altLang="ja-JP" dirty="0" smtClean="0">
+            <a:endParaRPr lang="en-US" altLang="ja-JP" sz="4000" dirty="0" smtClean="0">
               <a:solidFill>
                 <a:schemeClr val="tx1"/>
               </a:solidFill>
             </a:endParaRPr>
-          </a:p>
-          <a:p>
-            <a:pPr algn="ctr"/>
-            <a:r>
-              <a:rPr kumimoji="1" lang="ja-JP" altLang="en-US" dirty="0">
-                <a:solidFill>
-                  <a:schemeClr val="tx1"/>
-                </a:solidFill>
-              </a:rPr>
-              <a:t>これにより解決</a:t>
-            </a:r>
           </a:p>
         </p:txBody>
       </p:sp>
@@ -4196,6 +3988,9 @@
             <a:chOff x="1404368" y="15896071"/>
             <a:chExt cx="18794088" cy="3636404"/>
           </a:xfrm>
+          <a:solidFill>
+            <a:schemeClr val="bg1"/>
+          </a:solidFill>
         </p:grpSpPr>
         <p:sp>
           <p:nvSpPr>
@@ -4211,12 +4006,7 @@
             <a:prstGeom prst="rect">
               <a:avLst/>
             </a:prstGeom>
-            <a:solidFill>
-              <a:schemeClr val="tx2">
-                <a:lumMod val="20000"/>
-                <a:lumOff val="80000"/>
-              </a:schemeClr>
-            </a:solidFill>
+            <a:grpFill/>
             <a:ln>
               <a:solidFill>
                 <a:schemeClr val="tx1"/>
@@ -4266,9 +4056,7 @@
             <a:prstGeom prst="roundRect">
               <a:avLst/>
             </a:prstGeom>
-            <a:solidFill>
-              <a:schemeClr val="bg1"/>
-            </a:solidFill>
+            <a:grpFill/>
             <a:ln w="38100">
               <a:solidFill>
                 <a:schemeClr val="tx1"/>
@@ -4327,10 +4115,9 @@
           <a:prstGeom prst="snip2DiagRect">
             <a:avLst/>
           </a:prstGeom>
-          <a:blipFill>
-            <a:blip r:embed="rId2"/>
-            <a:tile tx="0" ty="0" sx="100000" sy="100000" flip="none" algn="tl"/>
-          </a:blipFill>
+          <a:solidFill>
+            <a:schemeClr val="bg1"/>
+          </a:solidFill>
           <a:ln>
             <a:solidFill>
               <a:schemeClr val="tx1"/>
@@ -4388,10 +4175,9 @@
           <a:prstGeom prst="snip2DiagRect">
             <a:avLst/>
           </a:prstGeom>
-          <a:blipFill>
-            <a:blip r:embed="rId2"/>
-            <a:tile tx="0" ty="0" sx="100000" sy="100000" flip="none" algn="tl"/>
-          </a:blipFill>
+          <a:solidFill>
+            <a:schemeClr val="bg1"/>
+          </a:solidFill>
           <a:ln>
             <a:solidFill>
               <a:schemeClr val="tx1"/>
@@ -4645,10 +4431,9 @@
           <a:prstGeom prst="snip2DiagRect">
             <a:avLst/>
           </a:prstGeom>
-          <a:blipFill>
-            <a:blip r:embed="rId2"/>
-            <a:tile tx="0" ty="0" sx="100000" sy="100000" flip="none" algn="tl"/>
-          </a:blipFill>
+          <a:solidFill>
+            <a:schemeClr val="bg1"/>
+          </a:solidFill>
           <a:ln>
             <a:solidFill>
               <a:schemeClr val="tx1"/>
@@ -4706,10 +4491,9 @@
           <a:prstGeom prst="snip2DiagRect">
             <a:avLst/>
           </a:prstGeom>
-          <a:blipFill>
-            <a:blip r:embed="rId2"/>
-            <a:tile tx="0" ty="0" sx="100000" sy="100000" flip="none" algn="tl"/>
-          </a:blipFill>
+          <a:solidFill>
+            <a:schemeClr val="bg1"/>
+          </a:solidFill>
           <a:ln>
             <a:solidFill>
               <a:schemeClr val="tx1"/>
@@ -4979,7 +4763,7 @@
           <p:nvPr/>
         </p:nvPicPr>
         <p:blipFill>
-          <a:blip r:embed="rId4" cstate="print">
+          <a:blip r:embed="rId3" cstate="print">
             <a:extLst>
               <a:ext uri="{28A0092B-C50C-407E-A947-70E740481C1C}">
                 <a14:useLocalDpi xmlns:a14="http://schemas.microsoft.com/office/drawing/2010/main" val="0"/>
@@ -5084,7 +4868,7 @@
           <p:nvPr>
             <p:extLst>
               <p:ext uri="{D42A27DB-BD31-4B8C-83A1-F6EECF244321}">
-                <p14:modId xmlns:p14="http://schemas.microsoft.com/office/powerpoint/2010/main" val="3005481850"/>
+                <p14:modId xmlns:p14="http://schemas.microsoft.com/office/powerpoint/2010/main" val="1498603429"/>
               </p:ext>
             </p:extLst>
           </p:nvPr>
@@ -5110,13 +4894,61 @@
                     <a:lstStyle/>
                     <a:p>
                       <a:r>
-                        <a:rPr kumimoji="1" lang="ja-JP" altLang="en-US" sz="4000" dirty="0" smtClean="0"/>
+                        <a:rPr kumimoji="1" lang="ja-JP" altLang="en-US" sz="4000" dirty="0" smtClean="0">
+                          <a:solidFill>
+                            <a:schemeClr val="tx1"/>
+                          </a:solidFill>
+                        </a:rPr>
                         <a:t>内容</a:t>
                       </a:r>
-                      <a:endParaRPr kumimoji="1" lang="ja-JP" altLang="en-US" sz="4000" dirty="0"/>
+                      <a:endParaRPr kumimoji="1" lang="ja-JP" altLang="en-US" sz="4000" dirty="0">
+                        <a:solidFill>
+                          <a:schemeClr val="tx1"/>
+                        </a:solidFill>
+                      </a:endParaRPr>
                     </a:p>
                   </a:txBody>
-                  <a:tcPr/>
+                  <a:tcPr>
+                    <a:lnL w="12700" cap="flat" cmpd="sng" algn="ctr">
+                      <a:solidFill>
+                        <a:schemeClr val="tx1"/>
+                      </a:solidFill>
+                      <a:prstDash val="solid"/>
+                      <a:round/>
+                      <a:headEnd type="none" w="med" len="med"/>
+                      <a:tailEnd type="none" w="med" len="med"/>
+                    </a:lnL>
+                    <a:lnR w="12700" cap="flat" cmpd="sng" algn="ctr">
+                      <a:solidFill>
+                        <a:schemeClr val="tx1"/>
+                      </a:solidFill>
+                      <a:prstDash val="solid"/>
+                      <a:round/>
+                      <a:headEnd type="none" w="med" len="med"/>
+                      <a:tailEnd type="none" w="med" len="med"/>
+                    </a:lnR>
+                    <a:lnT w="12700" cap="flat" cmpd="sng" algn="ctr">
+                      <a:solidFill>
+                        <a:schemeClr val="tx1"/>
+                      </a:solidFill>
+                      <a:prstDash val="solid"/>
+                      <a:round/>
+                      <a:headEnd type="none" w="med" len="med"/>
+                      <a:tailEnd type="none" w="med" len="med"/>
+                    </a:lnT>
+                    <a:lnB w="12700" cap="flat" cmpd="sng" algn="ctr">
+                      <a:solidFill>
+                        <a:schemeClr val="tx1"/>
+                      </a:solidFill>
+                      <a:prstDash val="solid"/>
+                      <a:round/>
+                      <a:headEnd type="none" w="med" len="med"/>
+                      <a:tailEnd type="none" w="med" len="med"/>
+                    </a:lnB>
+                    <a:solidFill>
+                      <a:schemeClr val="bg1"/>
+                    </a:solidFill>
+                  </a:tcPr>
                 </a:tc>
                 <a:tc>
                   <a:txBody>
@@ -5124,13 +4956,61 @@
                     <a:lstStyle/>
                     <a:p>
                       <a:r>
-                        <a:rPr kumimoji="1" lang="ja-JP" altLang="en-US" sz="4000" dirty="0" smtClean="0"/>
+                        <a:rPr kumimoji="1" lang="ja-JP" altLang="en-US" sz="4000" dirty="0" smtClean="0">
+                          <a:solidFill>
+                            <a:schemeClr val="tx1"/>
+                          </a:solidFill>
+                        </a:rPr>
                         <a:t>日付</a:t>
                       </a:r>
-                      <a:endParaRPr kumimoji="1" lang="ja-JP" altLang="en-US" sz="4000" dirty="0"/>
+                      <a:endParaRPr kumimoji="1" lang="ja-JP" altLang="en-US" sz="4000" dirty="0">
+                        <a:solidFill>
+                          <a:schemeClr val="tx1"/>
+                        </a:solidFill>
+                      </a:endParaRPr>
                     </a:p>
                   </a:txBody>
-                  <a:tcPr/>
+                  <a:tcPr>
+                    <a:lnL w="12700" cap="flat" cmpd="sng" algn="ctr">
+                      <a:solidFill>
+                        <a:schemeClr val="tx1"/>
+                      </a:solidFill>
+                      <a:prstDash val="solid"/>
+                      <a:round/>
+                      <a:headEnd type="none" w="med" len="med"/>
+                      <a:tailEnd type="none" w="med" len="med"/>
+                    </a:lnL>
+                    <a:lnR w="12700" cap="flat" cmpd="sng" algn="ctr">
+                      <a:solidFill>
+                        <a:schemeClr val="tx1"/>
+                      </a:solidFill>
+                      <a:prstDash val="solid"/>
+                      <a:round/>
+                      <a:headEnd type="none" w="med" len="med"/>
+                      <a:tailEnd type="none" w="med" len="med"/>
+                    </a:lnR>
+                    <a:lnT w="12700" cap="flat" cmpd="sng" algn="ctr">
+                      <a:solidFill>
+                        <a:schemeClr val="tx1"/>
+                      </a:solidFill>
+                      <a:prstDash val="solid"/>
+                      <a:round/>
+                      <a:headEnd type="none" w="med" len="med"/>
+                      <a:tailEnd type="none" w="med" len="med"/>
+                    </a:lnT>
+                    <a:lnB w="12700" cap="flat" cmpd="sng" algn="ctr">
+                      <a:solidFill>
+                        <a:schemeClr val="tx1"/>
+                      </a:solidFill>
+                      <a:prstDash val="solid"/>
+                      <a:round/>
+                      <a:headEnd type="none" w="med" len="med"/>
+                      <a:tailEnd type="none" w="med" len="med"/>
+                    </a:lnB>
+                    <a:solidFill>
+                      <a:schemeClr val="bg1"/>
+                    </a:solidFill>
+                  </a:tcPr>
                 </a:tc>
               </a:tr>
               <a:tr h="651324">
@@ -5140,13 +5020,61 @@
                     <a:lstStyle/>
                     <a:p>
                       <a:r>
-                        <a:rPr kumimoji="1" lang="ja-JP" altLang="en-US" sz="3200" dirty="0" smtClean="0"/>
+                        <a:rPr kumimoji="1" lang="ja-JP" altLang="en-US" sz="3200" dirty="0" smtClean="0">
+                          <a:solidFill>
+                            <a:schemeClr val="tx1"/>
+                          </a:solidFill>
+                        </a:rPr>
                         <a:t>調査結果の可視化</a:t>
                       </a:r>
-                      <a:endParaRPr kumimoji="1" lang="ja-JP" altLang="en-US" sz="3200" dirty="0"/>
+                      <a:endParaRPr kumimoji="1" lang="ja-JP" altLang="en-US" sz="3200" dirty="0">
+                        <a:solidFill>
+                          <a:schemeClr val="tx1"/>
+                        </a:solidFill>
+                      </a:endParaRPr>
                     </a:p>
                   </a:txBody>
-                  <a:tcPr/>
+                  <a:tcPr>
+                    <a:lnL w="12700" cap="flat" cmpd="sng" algn="ctr">
+                      <a:solidFill>
+                        <a:schemeClr val="tx1"/>
+                      </a:solidFill>
+                      <a:prstDash val="solid"/>
+                      <a:round/>
+                      <a:headEnd type="none" w="med" len="med"/>
+                      <a:tailEnd type="none" w="med" len="med"/>
+                    </a:lnL>
+                    <a:lnR w="12700" cap="flat" cmpd="sng" algn="ctr">
+                      <a:solidFill>
+                        <a:schemeClr val="tx1"/>
+                      </a:solidFill>
+                      <a:prstDash val="solid"/>
+                      <a:round/>
+                      <a:headEnd type="none" w="med" len="med"/>
+                      <a:tailEnd type="none" w="med" len="med"/>
+                    </a:lnR>
+                    <a:lnT w="12700" cap="flat" cmpd="sng" algn="ctr">
+                      <a:solidFill>
+                        <a:schemeClr val="tx1"/>
+                      </a:solidFill>
+                      <a:prstDash val="solid"/>
+                      <a:round/>
+                      <a:headEnd type="none" w="med" len="med"/>
+                      <a:tailEnd type="none" w="med" len="med"/>
+                    </a:lnT>
+                    <a:lnB w="12700" cap="flat" cmpd="sng" algn="ctr">
+                      <a:solidFill>
+                        <a:schemeClr val="tx1"/>
+                      </a:solidFill>
+                      <a:prstDash val="solid"/>
+                      <a:round/>
+                      <a:headEnd type="none" w="med" len="med"/>
+                      <a:tailEnd type="none" w="med" len="med"/>
+                    </a:lnB>
+                    <a:solidFill>
+                      <a:schemeClr val="bg1"/>
+                    </a:solidFill>
+                  </a:tcPr>
                 </a:tc>
                 <a:tc>
                   <a:txBody>
@@ -5154,25 +5082,85 @@
                     <a:lstStyle/>
                     <a:p>
                       <a:r>
-                        <a:rPr kumimoji="1" lang="en-US" altLang="ja-JP" sz="3200" dirty="0" smtClean="0"/>
+                        <a:rPr kumimoji="1" lang="en-US" altLang="ja-JP" sz="3200" dirty="0" smtClean="0">
+                          <a:solidFill>
+                            <a:schemeClr val="tx1"/>
+                          </a:solidFill>
+                        </a:rPr>
                         <a:t>2014</a:t>
                       </a:r>
                       <a:r>
-                        <a:rPr kumimoji="1" lang="ja-JP" altLang="en-US" sz="3200" dirty="0" smtClean="0"/>
+                        <a:rPr kumimoji="1" lang="ja-JP" altLang="en-US" sz="3200" dirty="0" smtClean="0">
+                          <a:solidFill>
+                            <a:schemeClr val="tx1"/>
+                          </a:solidFill>
+                        </a:rPr>
                         <a:t>年</a:t>
                       </a:r>
                       <a:r>
-                        <a:rPr kumimoji="1" lang="en-US" altLang="ja-JP" sz="3200" dirty="0" smtClean="0"/>
+                        <a:rPr kumimoji="1" lang="en-US" altLang="ja-JP" sz="3200" dirty="0" smtClean="0">
+                          <a:solidFill>
+                            <a:schemeClr val="tx1"/>
+                          </a:solidFill>
+                        </a:rPr>
                         <a:t>10</a:t>
                       </a:r>
                       <a:r>
-                        <a:rPr kumimoji="1" lang="ja-JP" altLang="en-US" sz="3200" dirty="0" smtClean="0"/>
+                        <a:rPr kumimoji="1" lang="ja-JP" altLang="en-US" sz="3200" dirty="0" smtClean="0">
+                          <a:solidFill>
+                            <a:schemeClr val="tx1"/>
+                          </a:solidFill>
+                        </a:rPr>
                         <a:t>月～</a:t>
                       </a:r>
-                      <a:endParaRPr kumimoji="1" lang="ja-JP" altLang="en-US" sz="3200" dirty="0"/>
+                      <a:endParaRPr kumimoji="1" lang="ja-JP" altLang="en-US" sz="3200" dirty="0">
+                        <a:solidFill>
+                          <a:schemeClr val="tx1"/>
+                        </a:solidFill>
+                      </a:endParaRPr>
                     </a:p>
                   </a:txBody>
-                  <a:tcPr/>
+                  <a:tcPr>
+                    <a:lnL w="12700" cap="flat" cmpd="sng" algn="ctr">
+                      <a:solidFill>
+                        <a:schemeClr val="tx1"/>
+                      </a:solidFill>
+                      <a:prstDash val="solid"/>
+                      <a:round/>
+                      <a:headEnd type="none" w="med" len="med"/>
+                      <a:tailEnd type="none" w="med" len="med"/>
+                    </a:lnL>
+                    <a:lnR w="12700" cap="flat" cmpd="sng" algn="ctr">
+                      <a:solidFill>
+                        <a:schemeClr val="tx1"/>
+                      </a:solidFill>
+                      <a:prstDash val="solid"/>
+                      <a:round/>
+                      <a:headEnd type="none" w="med" len="med"/>
+                      <a:tailEnd type="none" w="med" len="med"/>
+                    </a:lnR>
+                    <a:lnT w="12700" cap="flat" cmpd="sng" algn="ctr">
+                      <a:solidFill>
+                        <a:schemeClr val="tx1"/>
+                      </a:solidFill>
+                      <a:prstDash val="solid"/>
+                      <a:round/>
+                      <a:headEnd type="none" w="med" len="med"/>
+                      <a:tailEnd type="none" w="med" len="med"/>
+                    </a:lnT>
+                    <a:lnB w="12700" cap="flat" cmpd="sng" algn="ctr">
+                      <a:solidFill>
+                        <a:schemeClr val="tx1"/>
+                      </a:solidFill>
+                      <a:prstDash val="solid"/>
+                      <a:round/>
+                      <a:headEnd type="none" w="med" len="med"/>
+                      <a:tailEnd type="none" w="med" len="med"/>
+                    </a:lnB>
+                    <a:solidFill>
+                      <a:schemeClr val="bg1"/>
+                    </a:solidFill>
+                  </a:tcPr>
                 </a:tc>
               </a:tr>
               <a:tr h="651324">
@@ -5182,13 +5170,61 @@
                     <a:lstStyle/>
                     <a:p>
                       <a:r>
-                        <a:rPr kumimoji="1" lang="ja-JP" altLang="en-US" sz="3200" dirty="0" smtClean="0"/>
+                        <a:rPr kumimoji="1" lang="ja-JP" altLang="en-US" sz="3200" dirty="0" smtClean="0">
+                          <a:solidFill>
+                            <a:schemeClr val="tx1"/>
+                          </a:solidFill>
+                        </a:rPr>
                         <a:t>考察</a:t>
                       </a:r>
-                      <a:endParaRPr kumimoji="1" lang="ja-JP" altLang="en-US" sz="3200" dirty="0"/>
+                      <a:endParaRPr kumimoji="1" lang="ja-JP" altLang="en-US" sz="3200" dirty="0">
+                        <a:solidFill>
+                          <a:schemeClr val="tx1"/>
+                        </a:solidFill>
+                      </a:endParaRPr>
                     </a:p>
                   </a:txBody>
-                  <a:tcPr/>
+                  <a:tcPr>
+                    <a:lnL w="12700" cap="flat" cmpd="sng" algn="ctr">
+                      <a:solidFill>
+                        <a:schemeClr val="tx1"/>
+                      </a:solidFill>
+                      <a:prstDash val="solid"/>
+                      <a:round/>
+                      <a:headEnd type="none" w="med" len="med"/>
+                      <a:tailEnd type="none" w="med" len="med"/>
+                    </a:lnL>
+                    <a:lnR w="12700" cap="flat" cmpd="sng" algn="ctr">
+                      <a:solidFill>
+                        <a:schemeClr val="tx1"/>
+                      </a:solidFill>
+                      <a:prstDash val="solid"/>
+                      <a:round/>
+                      <a:headEnd type="none" w="med" len="med"/>
+                      <a:tailEnd type="none" w="med" len="med"/>
+                    </a:lnR>
+                    <a:lnT w="12700" cap="flat" cmpd="sng" algn="ctr">
+                      <a:solidFill>
+                        <a:schemeClr val="tx1"/>
+                      </a:solidFill>
+                      <a:prstDash val="solid"/>
+                      <a:round/>
+                      <a:headEnd type="none" w="med" len="med"/>
+                      <a:tailEnd type="none" w="med" len="med"/>
+                    </a:lnT>
+                    <a:lnB w="12700" cap="flat" cmpd="sng" algn="ctr">
+                      <a:solidFill>
+                        <a:schemeClr val="tx1"/>
+                      </a:solidFill>
+                      <a:prstDash val="solid"/>
+                      <a:round/>
+                      <a:headEnd type="none" w="med" len="med"/>
+                      <a:tailEnd type="none" w="med" len="med"/>
+                    </a:lnB>
+                    <a:solidFill>
+                      <a:schemeClr val="bg1"/>
+                    </a:solidFill>
+                  </a:tcPr>
                 </a:tc>
                 <a:tc>
                   <a:txBody>
@@ -5196,25 +5232,85 @@
                     <a:lstStyle/>
                     <a:p>
                       <a:r>
-                        <a:rPr kumimoji="1" lang="en-US" altLang="ja-JP" sz="3200" dirty="0" smtClean="0"/>
+                        <a:rPr kumimoji="1" lang="en-US" altLang="ja-JP" sz="3200" dirty="0" smtClean="0">
+                          <a:solidFill>
+                            <a:schemeClr val="tx1"/>
+                          </a:solidFill>
+                        </a:rPr>
                         <a:t>2014</a:t>
                       </a:r>
                       <a:r>
-                        <a:rPr kumimoji="1" lang="ja-JP" altLang="en-US" sz="3200" dirty="0" smtClean="0"/>
+                        <a:rPr kumimoji="1" lang="ja-JP" altLang="en-US" sz="3200" dirty="0" smtClean="0">
+                          <a:solidFill>
+                            <a:schemeClr val="tx1"/>
+                          </a:solidFill>
+                        </a:rPr>
                         <a:t>年</a:t>
                       </a:r>
                       <a:r>
-                        <a:rPr kumimoji="1" lang="en-US" altLang="ja-JP" sz="3200" dirty="0" smtClean="0"/>
+                        <a:rPr kumimoji="1" lang="en-US" altLang="ja-JP" sz="3200" dirty="0" smtClean="0">
+                          <a:solidFill>
+                            <a:schemeClr val="tx1"/>
+                          </a:solidFill>
+                        </a:rPr>
                         <a:t>11</a:t>
                       </a:r>
                       <a:r>
-                        <a:rPr kumimoji="1" lang="ja-JP" altLang="en-US" sz="3200" dirty="0" smtClean="0"/>
+                        <a:rPr kumimoji="1" lang="ja-JP" altLang="en-US" sz="3200" dirty="0" smtClean="0">
+                          <a:solidFill>
+                            <a:schemeClr val="tx1"/>
+                          </a:solidFill>
+                        </a:rPr>
                         <a:t>月～</a:t>
                       </a:r>
-                      <a:endParaRPr kumimoji="1" lang="ja-JP" altLang="en-US" sz="3200" dirty="0"/>
+                      <a:endParaRPr kumimoji="1" lang="ja-JP" altLang="en-US" sz="3200" dirty="0">
+                        <a:solidFill>
+                          <a:schemeClr val="tx1"/>
+                        </a:solidFill>
+                      </a:endParaRPr>
                     </a:p>
                   </a:txBody>
-                  <a:tcPr/>
+                  <a:tcPr>
+                    <a:lnL w="12700" cap="flat" cmpd="sng" algn="ctr">
+                      <a:solidFill>
+                        <a:schemeClr val="tx1"/>
+                      </a:solidFill>
+                      <a:prstDash val="solid"/>
+                      <a:round/>
+                      <a:headEnd type="none" w="med" len="med"/>
+                      <a:tailEnd type="none" w="med" len="med"/>
+                    </a:lnL>
+                    <a:lnR w="12700" cap="flat" cmpd="sng" algn="ctr">
+                      <a:solidFill>
+                        <a:schemeClr val="tx1"/>
+                      </a:solidFill>
+                      <a:prstDash val="solid"/>
+                      <a:round/>
+                      <a:headEnd type="none" w="med" len="med"/>
+                      <a:tailEnd type="none" w="med" len="med"/>
+                    </a:lnR>
+                    <a:lnT w="12700" cap="flat" cmpd="sng" algn="ctr">
+                      <a:solidFill>
+                        <a:schemeClr val="tx1"/>
+                      </a:solidFill>
+                      <a:prstDash val="solid"/>
+                      <a:round/>
+                      <a:headEnd type="none" w="med" len="med"/>
+                      <a:tailEnd type="none" w="med" len="med"/>
+                    </a:lnT>
+                    <a:lnB w="12700" cap="flat" cmpd="sng" algn="ctr">
+                      <a:solidFill>
+                        <a:schemeClr val="tx1"/>
+                      </a:solidFill>
+                      <a:prstDash val="solid"/>
+                      <a:round/>
+                      <a:headEnd type="none" w="med" len="med"/>
+                      <a:tailEnd type="none" w="med" len="med"/>
+                    </a:lnB>
+                    <a:solidFill>
+                      <a:schemeClr val="bg1"/>
+                    </a:solidFill>
+                  </a:tcPr>
                 </a:tc>
               </a:tr>
               <a:tr h="651324">
@@ -5224,13 +5320,61 @@
                     <a:lstStyle/>
                     <a:p>
                       <a:r>
-                        <a:rPr kumimoji="1" lang="ja-JP" altLang="en-US" sz="3200" dirty="0" smtClean="0"/>
+                        <a:rPr kumimoji="1" lang="ja-JP" altLang="en-US" sz="3200" dirty="0" smtClean="0">
+                          <a:solidFill>
+                            <a:schemeClr val="tx1"/>
+                          </a:solidFill>
+                        </a:rPr>
                         <a:t>執筆</a:t>
                       </a:r>
-                      <a:endParaRPr kumimoji="1" lang="ja-JP" altLang="en-US" sz="3200" dirty="0"/>
+                      <a:endParaRPr kumimoji="1" lang="ja-JP" altLang="en-US" sz="3200" dirty="0">
+                        <a:solidFill>
+                          <a:schemeClr val="tx1"/>
+                        </a:solidFill>
+                      </a:endParaRPr>
                     </a:p>
                   </a:txBody>
-                  <a:tcPr/>
+                  <a:tcPr>
+                    <a:lnL w="12700" cap="flat" cmpd="sng" algn="ctr">
+                      <a:solidFill>
+                        <a:schemeClr val="tx1"/>
+                      </a:solidFill>
+                      <a:prstDash val="solid"/>
+                      <a:round/>
+                      <a:headEnd type="none" w="med" len="med"/>
+                      <a:tailEnd type="none" w="med" len="med"/>
+                    </a:lnL>
+                    <a:lnR w="12700" cap="flat" cmpd="sng" algn="ctr">
+                      <a:solidFill>
+                        <a:schemeClr val="tx1"/>
+                      </a:solidFill>
+                      <a:prstDash val="solid"/>
+                      <a:round/>
+                      <a:headEnd type="none" w="med" len="med"/>
+                      <a:tailEnd type="none" w="med" len="med"/>
+                    </a:lnR>
+                    <a:lnT w="12700" cap="flat" cmpd="sng" algn="ctr">
+                      <a:solidFill>
+                        <a:schemeClr val="tx1"/>
+                      </a:solidFill>
+                      <a:prstDash val="solid"/>
+                      <a:round/>
+                      <a:headEnd type="none" w="med" len="med"/>
+                      <a:tailEnd type="none" w="med" len="med"/>
+                    </a:lnT>
+                    <a:lnB w="12700" cap="flat" cmpd="sng" algn="ctr">
+                      <a:solidFill>
+                        <a:schemeClr val="tx1"/>
+                      </a:solidFill>
+                      <a:prstDash val="solid"/>
+                      <a:round/>
+                      <a:headEnd type="none" w="med" len="med"/>
+                      <a:tailEnd type="none" w="med" len="med"/>
+                    </a:lnB>
+                    <a:solidFill>
+                      <a:schemeClr val="bg1"/>
+                    </a:solidFill>
+                  </a:tcPr>
                 </a:tc>
                 <a:tc>
                   <a:txBody>
@@ -5238,31 +5382,493 @@
                     <a:lstStyle/>
                     <a:p>
                       <a:r>
-                        <a:rPr kumimoji="1" lang="en-US" altLang="ja-JP" sz="3200" dirty="0" smtClean="0"/>
+                        <a:rPr kumimoji="1" lang="en-US" altLang="ja-JP" sz="3200" dirty="0" smtClean="0">
+                          <a:solidFill>
+                            <a:schemeClr val="tx1"/>
+                          </a:solidFill>
+                        </a:rPr>
                         <a:t>2014</a:t>
                       </a:r>
                       <a:r>
-                        <a:rPr kumimoji="1" lang="ja-JP" altLang="en-US" sz="3200" dirty="0" smtClean="0"/>
+                        <a:rPr kumimoji="1" lang="ja-JP" altLang="en-US" sz="3200" dirty="0" smtClean="0">
+                          <a:solidFill>
+                            <a:schemeClr val="tx1"/>
+                          </a:solidFill>
+                        </a:rPr>
                         <a:t>年</a:t>
                       </a:r>
                       <a:r>
-                        <a:rPr kumimoji="1" lang="en-US" altLang="ja-JP" sz="3200" dirty="0" smtClean="0"/>
+                        <a:rPr kumimoji="1" lang="en-US" altLang="ja-JP" sz="3200" dirty="0" smtClean="0">
+                          <a:solidFill>
+                            <a:schemeClr val="tx1"/>
+                          </a:solidFill>
+                        </a:rPr>
                         <a:t>12</a:t>
                       </a:r>
                       <a:r>
-                        <a:rPr kumimoji="1" lang="ja-JP" altLang="en-US" sz="3200" dirty="0" smtClean="0"/>
+                        <a:rPr kumimoji="1" lang="ja-JP" altLang="en-US" sz="3200" dirty="0" smtClean="0">
+                          <a:solidFill>
+                            <a:schemeClr val="tx1"/>
+                          </a:solidFill>
+                        </a:rPr>
                         <a:t>月～</a:t>
                       </a:r>
-                      <a:endParaRPr kumimoji="1" lang="ja-JP" altLang="en-US" sz="3200" dirty="0"/>
+                      <a:endParaRPr kumimoji="1" lang="ja-JP" altLang="en-US" sz="3200" dirty="0">
+                        <a:solidFill>
+                          <a:schemeClr val="tx1"/>
+                        </a:solidFill>
+                      </a:endParaRPr>
                     </a:p>
                   </a:txBody>
-                  <a:tcPr/>
+                  <a:tcPr>
+                    <a:lnL w="12700" cap="flat" cmpd="sng" algn="ctr">
+                      <a:solidFill>
+                        <a:schemeClr val="tx1"/>
+                      </a:solidFill>
+                      <a:prstDash val="solid"/>
+                      <a:round/>
+                      <a:headEnd type="none" w="med" len="med"/>
+                      <a:tailEnd type="none" w="med" len="med"/>
+                    </a:lnL>
+                    <a:lnR w="12700" cap="flat" cmpd="sng" algn="ctr">
+                      <a:solidFill>
+                        <a:schemeClr val="tx1"/>
+                      </a:solidFill>
+                      <a:prstDash val="solid"/>
+                      <a:round/>
+                      <a:headEnd type="none" w="med" len="med"/>
+                      <a:tailEnd type="none" w="med" len="med"/>
+                    </a:lnR>
+                    <a:lnT w="12700" cap="flat" cmpd="sng" algn="ctr">
+                      <a:solidFill>
+                        <a:schemeClr val="tx1"/>
+                      </a:solidFill>
+                      <a:prstDash val="solid"/>
+                      <a:round/>
+                      <a:headEnd type="none" w="med" len="med"/>
+                      <a:tailEnd type="none" w="med" len="med"/>
+                    </a:lnT>
+                    <a:lnB w="12700" cap="flat" cmpd="sng" algn="ctr">
+                      <a:solidFill>
+                        <a:schemeClr val="tx1"/>
+                      </a:solidFill>
+                      <a:prstDash val="solid"/>
+                      <a:round/>
+                      <a:headEnd type="none" w="med" len="med"/>
+                      <a:tailEnd type="none" w="med" len="med"/>
+                    </a:lnB>
+                    <a:solidFill>
+                      <a:schemeClr val="bg1"/>
+                    </a:solidFill>
+                  </a:tcPr>
                 </a:tc>
               </a:tr>
             </a:tbl>
           </a:graphicData>
         </a:graphic>
       </p:graphicFrame>
+      <p:sp>
+        <p:nvSpPr>
+          <p:cNvPr id="8" name="正方形/長方形 7"/>
+          <p:cNvSpPr/>
+          <p:nvPr/>
+        </p:nvSpPr>
+        <p:spPr>
+          <a:xfrm>
+            <a:off x="756296" y="162323"/>
+            <a:ext cx="19946216" cy="2232248"/>
+          </a:xfrm>
+          <a:prstGeom prst="rect">
+            <a:avLst/>
+          </a:prstGeom>
+          <a:solidFill>
+            <a:schemeClr val="bg1"/>
+          </a:solidFill>
+          <a:ln>
+            <a:solidFill>
+              <a:schemeClr val="tx1"/>
+            </a:solidFill>
+          </a:ln>
+        </p:spPr>
+        <p:style>
+          <a:lnRef idx="2">
+            <a:schemeClr val="accent1">
+              <a:shade val="50000"/>
+            </a:schemeClr>
+          </a:lnRef>
+          <a:fillRef idx="1">
+            <a:schemeClr val="accent1"/>
+          </a:fillRef>
+          <a:effectRef idx="0">
+            <a:schemeClr val="accent1"/>
+          </a:effectRef>
+          <a:fontRef idx="minor">
+            <a:schemeClr val="lt1"/>
+          </a:fontRef>
+        </p:style>
+        <p:txBody>
+          <a:bodyPr rtlCol="0" anchor="ctr"/>
+          <a:lstStyle/>
+          <a:p>
+            <a:pPr algn="ctr"/>
+            <a:r>
+              <a:rPr lang="ja-JP" altLang="en-US" dirty="0">
+                <a:solidFill>
+                  <a:schemeClr val="tx1"/>
+                </a:solidFill>
+              </a:rPr>
+              <a:t>ビッグデータ解析ソフトウェアを用いた</a:t>
+            </a:r>
+            <a:r>
+              <a:rPr lang="en-US" altLang="ja-JP" dirty="0">
+                <a:solidFill>
+                  <a:schemeClr val="tx1"/>
+                </a:solidFill>
+              </a:rPr>
+              <a:t>GitHub</a:t>
+            </a:r>
+            <a:r>
+              <a:rPr lang="ja-JP" altLang="en-US" dirty="0">
+                <a:solidFill>
+                  <a:schemeClr val="tx1"/>
+                </a:solidFill>
+              </a:rPr>
+              <a:t>データマイニング</a:t>
+            </a:r>
+          </a:p>
+        </p:txBody>
+      </p:sp>
+      <p:grpSp>
+        <p:nvGrpSpPr>
+          <p:cNvPr id="31" name="グループ化 30"/>
+          <p:cNvGrpSpPr/>
+          <p:nvPr/>
+        </p:nvGrpSpPr>
+        <p:grpSpPr>
+          <a:xfrm>
+            <a:off x="1548384" y="9091315"/>
+            <a:ext cx="7490240" cy="5104823"/>
+            <a:chOff x="1548384" y="9091315"/>
+            <a:chExt cx="7490240" cy="5104823"/>
+          </a:xfrm>
+        </p:grpSpPr>
+        <p:sp>
+          <p:nvSpPr>
+            <p:cNvPr id="16" name="正方形/長方形 15"/>
+            <p:cNvSpPr/>
+            <p:nvPr/>
+          </p:nvSpPr>
+          <p:spPr>
+            <a:xfrm>
+              <a:off x="2007434" y="10559734"/>
+              <a:ext cx="6498724" cy="3636404"/>
+            </a:xfrm>
+            <a:prstGeom prst="rect">
+              <a:avLst/>
+            </a:prstGeom>
+            <a:solidFill>
+              <a:schemeClr val="bg1"/>
+            </a:solidFill>
+            <a:ln w="57150">
+              <a:solidFill>
+                <a:schemeClr val="tx1"/>
+              </a:solidFill>
+            </a:ln>
+          </p:spPr>
+          <p:style>
+            <a:lnRef idx="2">
+              <a:schemeClr val="accent1">
+                <a:shade val="50000"/>
+              </a:schemeClr>
+            </a:lnRef>
+            <a:fillRef idx="1">
+              <a:schemeClr val="accent1"/>
+            </a:fillRef>
+            <a:effectRef idx="0">
+              <a:schemeClr val="accent1"/>
+            </a:effectRef>
+            <a:fontRef idx="minor">
+              <a:schemeClr val="lt1"/>
+            </a:fontRef>
+          </p:style>
+          <p:txBody>
+            <a:bodyPr rtlCol="0" anchor="ctr"/>
+            <a:lstStyle/>
+            <a:p>
+              <a:pPr algn="ctr"/>
+              <a:endParaRPr kumimoji="1" lang="ja-JP" altLang="en-US">
+                <a:solidFill>
+                  <a:schemeClr val="tx1"/>
+                </a:solidFill>
+              </a:endParaRPr>
+            </a:p>
+          </p:txBody>
+        </p:sp>
+        <p:sp>
+          <p:nvSpPr>
+            <p:cNvPr id="9" name="円/楕円 8"/>
+            <p:cNvSpPr/>
+            <p:nvPr/>
+          </p:nvSpPr>
+          <p:spPr>
+            <a:xfrm>
+              <a:off x="1548384" y="9091315"/>
+              <a:ext cx="7490240" cy="2520280"/>
+            </a:xfrm>
+            <a:prstGeom prst="ellipse">
+              <a:avLst/>
+            </a:prstGeom>
+            <a:solidFill>
+              <a:schemeClr val="bg1"/>
+            </a:solidFill>
+            <a:ln w="38100">
+              <a:solidFill>
+                <a:schemeClr val="tx1"/>
+              </a:solidFill>
+            </a:ln>
+          </p:spPr>
+          <p:style>
+            <a:lnRef idx="2">
+              <a:schemeClr val="accent1">
+                <a:shade val="50000"/>
+              </a:schemeClr>
+            </a:lnRef>
+            <a:fillRef idx="1">
+              <a:schemeClr val="accent1"/>
+            </a:fillRef>
+            <a:effectRef idx="0">
+              <a:schemeClr val="accent1"/>
+            </a:effectRef>
+            <a:fontRef idx="minor">
+              <a:schemeClr val="lt1"/>
+            </a:fontRef>
+          </p:style>
+          <p:txBody>
+            <a:bodyPr rtlCol="0" anchor="ctr"/>
+            <a:lstStyle/>
+            <a:p>
+              <a:pPr algn="ctr"/>
+              <a:r>
+                <a:rPr kumimoji="1" lang="ja-JP" altLang="en-US" sz="4800" dirty="0" smtClean="0">
+                  <a:solidFill>
+                    <a:schemeClr val="tx1"/>
+                  </a:solidFill>
+                </a:rPr>
+                <a:t>データの収集・処理</a:t>
+              </a:r>
+              <a:endParaRPr kumimoji="1" lang="en-US" altLang="ja-JP" sz="4800" dirty="0" smtClean="0">
+                <a:solidFill>
+                  <a:schemeClr val="tx1"/>
+                </a:solidFill>
+              </a:endParaRPr>
+            </a:p>
+            <a:p>
+              <a:pPr algn="ctr"/>
+              <a:r>
+                <a:rPr lang="ja-JP" altLang="en-US" sz="4800" dirty="0">
+                  <a:solidFill>
+                    <a:schemeClr val="tx1"/>
+                  </a:solidFill>
+                </a:rPr>
+                <a:t>難しい</a:t>
+              </a:r>
+              <a:endParaRPr kumimoji="1" lang="ja-JP" altLang="en-US" sz="4800" dirty="0">
+                <a:solidFill>
+                  <a:schemeClr val="tx1"/>
+                </a:solidFill>
+              </a:endParaRPr>
+            </a:p>
+          </p:txBody>
+        </p:sp>
+      </p:grpSp>
+      <p:sp>
+        <p:nvSpPr>
+          <p:cNvPr id="1024" name="テキスト ボックス 1023"/>
+          <p:cNvSpPr txBox="1"/>
+          <p:nvPr/>
+        </p:nvSpPr>
+        <p:spPr>
+          <a:xfrm>
+            <a:off x="2196456" y="11995442"/>
+            <a:ext cx="6120680" cy="1200329"/>
+          </a:xfrm>
+          <a:prstGeom prst="rect">
+            <a:avLst/>
+          </a:prstGeom>
+          <a:noFill/>
+        </p:spPr>
+        <p:txBody>
+          <a:bodyPr wrap="square" rtlCol="0">
+            <a:spAutoFit/>
+          </a:bodyPr>
+          <a:lstStyle/>
+          <a:p>
+            <a:r>
+              <a:rPr kumimoji="1" lang="ja-JP" altLang="en-US" sz="3600" dirty="0" smtClean="0"/>
+              <a:t>データ量が膨大すぎるため</a:t>
+            </a:r>
+            <a:r>
+              <a:rPr kumimoji="1" lang="ja-JP" altLang="en-US" sz="3600" dirty="0" err="1" smtClean="0"/>
+              <a:t>集めるの</a:t>
+            </a:r>
+            <a:r>
+              <a:rPr kumimoji="1" lang="ja-JP" altLang="en-US" sz="3600" dirty="0" smtClean="0"/>
+              <a:t>大変時間がかかる．</a:t>
+            </a:r>
+            <a:endParaRPr kumimoji="1" lang="ja-JP" altLang="en-US" sz="3600" dirty="0"/>
+          </a:p>
+        </p:txBody>
+      </p:sp>
+      <p:sp>
+        <p:nvSpPr>
+          <p:cNvPr id="1043" name="四角形吹き出し 1042"/>
+          <p:cNvSpPr/>
+          <p:nvPr/>
+        </p:nvSpPr>
+        <p:spPr>
+          <a:xfrm>
+            <a:off x="15942977" y="9415351"/>
+            <a:ext cx="4183471" cy="1872208"/>
+          </a:xfrm>
+          <a:prstGeom prst="wedgeRectCallout">
+            <a:avLst>
+              <a:gd name="adj1" fmla="val -86010"/>
+              <a:gd name="adj2" fmla="val -16866"/>
+            </a:avLst>
+          </a:prstGeom>
+          <a:solidFill>
+            <a:schemeClr val="bg1"/>
+          </a:solidFill>
+          <a:ln w="38100">
+            <a:solidFill>
+              <a:schemeClr val="tx1"/>
+            </a:solidFill>
+          </a:ln>
+        </p:spPr>
+        <p:style>
+          <a:lnRef idx="2">
+            <a:schemeClr val="accent1">
+              <a:shade val="50000"/>
+            </a:schemeClr>
+          </a:lnRef>
+          <a:fillRef idx="1">
+            <a:schemeClr val="accent1"/>
+          </a:fillRef>
+          <a:effectRef idx="0">
+            <a:schemeClr val="accent1"/>
+          </a:effectRef>
+          <a:fontRef idx="minor">
+            <a:schemeClr val="lt1"/>
+          </a:fontRef>
+        </p:style>
+        <p:txBody>
+          <a:bodyPr rtlCol="0" anchor="ctr"/>
+          <a:lstStyle/>
+          <a:p>
+            <a:pPr algn="ctr"/>
+            <a:r>
+              <a:rPr kumimoji="1" lang="ja-JP" altLang="en-US" sz="3200" dirty="0" smtClean="0">
+                <a:solidFill>
+                  <a:schemeClr val="tx1"/>
+                </a:solidFill>
+              </a:rPr>
+              <a:t>大量のデータを</a:t>
+            </a:r>
+            <a:endParaRPr kumimoji="1" lang="en-US" altLang="ja-JP" sz="3200" dirty="0" smtClean="0">
+              <a:solidFill>
+                <a:schemeClr val="tx1"/>
+              </a:solidFill>
+            </a:endParaRPr>
+          </a:p>
+          <a:p>
+            <a:pPr algn="ctr"/>
+            <a:r>
+              <a:rPr kumimoji="1" lang="ja-JP" altLang="en-US" sz="3200" dirty="0" smtClean="0">
+                <a:solidFill>
+                  <a:schemeClr val="tx1"/>
+                </a:solidFill>
+              </a:rPr>
+              <a:t>処理するためのソフト</a:t>
+            </a:r>
+            <a:endParaRPr kumimoji="1" lang="ja-JP" altLang="en-US" sz="3200" dirty="0">
+              <a:solidFill>
+                <a:schemeClr val="tx1"/>
+              </a:solidFill>
+            </a:endParaRPr>
+          </a:p>
+        </p:txBody>
+      </p:sp>
+      <p:sp>
+        <p:nvSpPr>
+          <p:cNvPr id="1044" name="四角形吹き出し 1043"/>
+          <p:cNvSpPr/>
+          <p:nvPr/>
+        </p:nvSpPr>
+        <p:spPr>
+          <a:xfrm>
+            <a:off x="12349584" y="12595606"/>
+            <a:ext cx="4608512" cy="1968317"/>
+          </a:xfrm>
+          <a:prstGeom prst="wedgeRectCallout">
+            <a:avLst>
+              <a:gd name="adj1" fmla="val -65210"/>
+              <a:gd name="adj2" fmla="val -124292"/>
+            </a:avLst>
+          </a:prstGeom>
+          <a:solidFill>
+            <a:schemeClr val="bg1"/>
+          </a:solidFill>
+          <a:ln w="38100">
+            <a:solidFill>
+              <a:schemeClr val="tx1"/>
+            </a:solidFill>
+          </a:ln>
+        </p:spPr>
+        <p:style>
+          <a:lnRef idx="2">
+            <a:schemeClr val="accent1">
+              <a:shade val="50000"/>
+            </a:schemeClr>
+          </a:lnRef>
+          <a:fillRef idx="1">
+            <a:schemeClr val="accent1"/>
+          </a:fillRef>
+          <a:effectRef idx="0">
+            <a:schemeClr val="accent1"/>
+          </a:effectRef>
+          <a:fontRef idx="minor">
+            <a:schemeClr val="lt1"/>
+          </a:fontRef>
+        </p:style>
+        <p:txBody>
+          <a:bodyPr rtlCol="0" anchor="ctr"/>
+          <a:lstStyle/>
+          <a:p>
+            <a:pPr algn="ctr"/>
+            <a:r>
+              <a:rPr kumimoji="1" lang="en-US" altLang="ja-JP" sz="3200" dirty="0" smtClean="0">
+                <a:solidFill>
+                  <a:schemeClr val="tx1"/>
+                </a:solidFill>
+              </a:rPr>
+              <a:t>GitHub</a:t>
+            </a:r>
+            <a:r>
+              <a:rPr lang="ja-JP" altLang="en-US" sz="3200" dirty="0" smtClean="0">
+                <a:solidFill>
+                  <a:schemeClr val="tx1"/>
+                </a:solidFill>
+              </a:rPr>
+              <a:t>のタイムラインをアーカイブ化</a:t>
+            </a:r>
+            <a:endParaRPr kumimoji="1" lang="ja-JP" altLang="en-US" sz="3200" dirty="0">
+              <a:solidFill>
+                <a:schemeClr val="tx1"/>
+              </a:solidFill>
+            </a:endParaRPr>
+          </a:p>
+        </p:txBody>
+      </p:sp>
     </p:spTree>
     <p:extLst>
       <p:ext uri="{BB962C8B-B14F-4D97-AF65-F5344CB8AC3E}">
